--- a/CSI3017 Business Intelligence/reference materials/28_Predictive analytics.pptx
+++ b/CSI3017 Business Intelligence/reference materials/28_Predictive analytics.pptx
@@ -327,7 +327,7 @@
           <a:p>
             <a:fld id="{1D8BD707-D9CF-40AE-B4C6-C98DA3205C09}" type="datetimeFigureOut">
               <a:rPr lang="en-US"/>
-              <a:t>3/17/2022</a:t>
+              <a:t>3/28/22</a:t>
             </a:fld>
             <a:endParaRPr lang="en-US"/>
           </a:p>
@@ -603,7 +603,7 @@
           <a:p>
             <a:fld id="{1D8BD707-D9CF-40AE-B4C6-C98DA3205C09}" type="datetimeFigureOut">
               <a:rPr lang="en-US"/>
-              <a:t>3/17/2022</a:t>
+              <a:t>3/28/22</a:t>
             </a:fld>
             <a:endParaRPr lang="en-US"/>
           </a:p>
@@ -996,7 +996,7 @@
           <a:p>
             <a:fld id="{1D8BD707-D9CF-40AE-B4C6-C98DA3205C09}" type="datetimeFigureOut">
               <a:rPr lang="en-US"/>
-              <a:t>3/17/2022</a:t>
+              <a:t>3/28/22</a:t>
             </a:fld>
             <a:endParaRPr lang="en-US"/>
           </a:p>
@@ -1243,7 +1243,7 @@
           <a:p>
             <a:fld id="{1D8BD707-D9CF-40AE-B4C6-C98DA3205C09}" type="datetimeFigureOut">
               <a:rPr lang="en-US"/>
-              <a:t>3/17/2022</a:t>
+              <a:t>3/28/22</a:t>
             </a:fld>
             <a:endParaRPr lang="en-US"/>
           </a:p>
@@ -1535,7 +1535,7 @@
           <a:p>
             <a:fld id="{1D8BD707-D9CF-40AE-B4C6-C98DA3205C09}" type="datetimeFigureOut">
               <a:rPr lang="en-US"/>
-              <a:t>3/17/2022</a:t>
+              <a:t>3/28/22</a:t>
             </a:fld>
             <a:endParaRPr lang="en-US"/>
           </a:p>
@@ -1997,7 +1997,7 @@
           <a:p>
             <a:fld id="{1D8BD707-D9CF-40AE-B4C6-C98DA3205C09}" type="datetimeFigureOut">
               <a:rPr lang="en-US"/>
-              <a:t>3/17/2022</a:t>
+              <a:t>3/28/22</a:t>
             </a:fld>
             <a:endParaRPr lang="en-US"/>
           </a:p>

--- a/CSI3017 Business Intelligence/reference materials/28_Predictive analytics.pptx
+++ b/CSI3017 Business Intelligence/reference materials/28_Predictive analytics.pptx
@@ -327,7 +327,7 @@
           <a:p>
             <a:fld id="{1D8BD707-D9CF-40AE-B4C6-C98DA3205C09}" type="datetimeFigureOut">
               <a:rPr lang="en-US"/>
-              <a:t>3/28/22</a:t>
+              <a:t>5/6/22</a:t>
             </a:fld>
             <a:endParaRPr lang="en-US"/>
           </a:p>
@@ -603,7 +603,7 @@
           <a:p>
             <a:fld id="{1D8BD707-D9CF-40AE-B4C6-C98DA3205C09}" type="datetimeFigureOut">
               <a:rPr lang="en-US"/>
-              <a:t>3/28/22</a:t>
+              <a:t>5/6/22</a:t>
             </a:fld>
             <a:endParaRPr lang="en-US"/>
           </a:p>
@@ -996,7 +996,7 @@
           <a:p>
             <a:fld id="{1D8BD707-D9CF-40AE-B4C6-C98DA3205C09}" type="datetimeFigureOut">
               <a:rPr lang="en-US"/>
-              <a:t>3/28/22</a:t>
+              <a:t>5/6/22</a:t>
             </a:fld>
             <a:endParaRPr lang="en-US"/>
           </a:p>
@@ -1243,7 +1243,7 @@
           <a:p>
             <a:fld id="{1D8BD707-D9CF-40AE-B4C6-C98DA3205C09}" type="datetimeFigureOut">
               <a:rPr lang="en-US"/>
-              <a:t>3/28/22</a:t>
+              <a:t>5/6/22</a:t>
             </a:fld>
             <a:endParaRPr lang="en-US"/>
           </a:p>
@@ -1535,7 +1535,7 @@
           <a:p>
             <a:fld id="{1D8BD707-D9CF-40AE-B4C6-C98DA3205C09}" type="datetimeFigureOut">
               <a:rPr lang="en-US"/>
-              <a:t>3/28/22</a:t>
+              <a:t>5/6/22</a:t>
             </a:fld>
             <a:endParaRPr lang="en-US"/>
           </a:p>
@@ -1997,7 +1997,7 @@
           <a:p>
             <a:fld id="{1D8BD707-D9CF-40AE-B4C6-C98DA3205C09}" type="datetimeFigureOut">
               <a:rPr lang="en-US"/>
-              <a:t>3/28/22</a:t>
+              <a:t>5/6/22</a:t>
             </a:fld>
             <a:endParaRPr lang="en-US"/>
           </a:p>
